--- a/0-Introduction/0.introduction.pptx
+++ b/0-Introduction/0.introduction.pptx
@@ -5,17 +5,16 @@
     <p:sldMasterId id="2147483648" r:id="rId1"/>
   </p:sldMasterIdLst>
   <p:notesMasterIdLst>
-    <p:notesMasterId r:id="rId10"/>
+    <p:notesMasterId r:id="rId9"/>
   </p:notesMasterIdLst>
   <p:sldIdLst>
     <p:sldId id="299" r:id="rId2"/>
     <p:sldId id="261" r:id="rId3"/>
-    <p:sldId id="318" r:id="rId4"/>
-    <p:sldId id="298" r:id="rId5"/>
-    <p:sldId id="301" r:id="rId6"/>
-    <p:sldId id="306" r:id="rId7"/>
-    <p:sldId id="302" r:id="rId8"/>
-    <p:sldId id="307" r:id="rId9"/>
+    <p:sldId id="298" r:id="rId4"/>
+    <p:sldId id="301" r:id="rId5"/>
+    <p:sldId id="306" r:id="rId6"/>
+    <p:sldId id="302" r:id="rId7"/>
+    <p:sldId id="307" r:id="rId8"/>
   </p:sldIdLst>
   <p:sldSz cx="12192000" cy="6858000"/>
   <p:notesSz cx="6858000" cy="9144000"/>
@@ -324,7 +323,6 @@
           <p14:sldIdLst>
             <p14:sldId id="299"/>
             <p14:sldId id="261"/>
-            <p14:sldId id="318"/>
             <p14:sldId id="298"/>
             <p14:sldId id="301"/>
             <p14:sldId id="306"/>
@@ -1248,6 +1246,22 @@
       </pc:sldChg>
     </pc:docChg>
   </pc:docChgLst>
+  <pc:docChgLst>
+    <pc:chgData name="Ismail BERRADA" userId="73da661f-8bb3-4988-b405-b85d952bf1cf" providerId="ADAL" clId="{7B1458E6-9C38-4361-8218-69B54FC4202F}"/>
+    <pc:docChg chg="delSld modSection">
+      <pc:chgData name="Ismail BERRADA" userId="73da661f-8bb3-4988-b405-b85d952bf1cf" providerId="ADAL" clId="{7B1458E6-9C38-4361-8218-69B54FC4202F}" dt="2022-06-22T12:11:09.276" v="0" actId="47"/>
+      <pc:docMkLst>
+        <pc:docMk/>
+      </pc:docMkLst>
+      <pc:sldChg chg="del">
+        <pc:chgData name="Ismail BERRADA" userId="73da661f-8bb3-4988-b405-b85d952bf1cf" providerId="ADAL" clId="{7B1458E6-9C38-4361-8218-69B54FC4202F}" dt="2022-06-22T12:11:09.276" v="0" actId="47"/>
+        <pc:sldMkLst>
+          <pc:docMk/>
+          <pc:sldMk cId="211834126" sldId="318"/>
+        </pc:sldMkLst>
+      </pc:sldChg>
+    </pc:docChg>
+  </pc:docChgLst>
 </pc:chgInfo>
 </file>
 
@@ -1468,7 +1482,7 @@
     </p:spTree>
     <p:extLst>
       <p:ext uri="{BB962C8B-B14F-4D97-AF65-F5344CB8AC3E}">
-        <p14:creationId xmlns:p14="http://schemas.microsoft.com/office/powerpoint/2010/main" val="2456935038"/>
+        <p14:creationId xmlns:p14="http://schemas.microsoft.com/office/powerpoint/2010/main" val="2049543159"/>
       </p:ext>
     </p:extLst>
   </p:cSld>
@@ -1610,7 +1624,7 @@
     </p:spTree>
     <p:extLst>
       <p:ext uri="{BB962C8B-B14F-4D97-AF65-F5344CB8AC3E}">
-        <p14:creationId xmlns:p14="http://schemas.microsoft.com/office/powerpoint/2010/main" val="2049543159"/>
+        <p14:creationId xmlns:p14="http://schemas.microsoft.com/office/powerpoint/2010/main" val="452796975"/>
       </p:ext>
     </p:extLst>
   </p:cSld>
@@ -1681,7 +1695,7 @@
     </p:spTree>
     <p:extLst>
       <p:ext uri="{BB962C8B-B14F-4D97-AF65-F5344CB8AC3E}">
-        <p14:creationId xmlns:p14="http://schemas.microsoft.com/office/powerpoint/2010/main" val="452796975"/>
+        <p14:creationId xmlns:p14="http://schemas.microsoft.com/office/powerpoint/2010/main" val="2259461155"/>
       </p:ext>
     </p:extLst>
   </p:cSld>
@@ -1692,77 +1706,6 @@
 </file>
 
 <file path=ppt/notesSlides/notesSlide5.xml><?xml version="1.0" encoding="utf-8"?>
-<p:notes xmlns:a="http://schemas.openxmlformats.org/drawingml/2006/main" xmlns:r="http://schemas.openxmlformats.org/officeDocument/2006/relationships" xmlns:p="http://schemas.openxmlformats.org/presentationml/2006/main">
-  <p:cSld>
-    <p:spTree>
-      <p:nvGrpSpPr>
-        <p:cNvPr id="1" name=""/>
-        <p:cNvGrpSpPr/>
-        <p:nvPr/>
-      </p:nvGrpSpPr>
-      <p:grpSpPr>
-        <a:xfrm>
-          <a:off x="0" y="0"/>
-          <a:ext cx="0" cy="0"/>
-          <a:chOff x="0" y="0"/>
-          <a:chExt cx="0" cy="0"/>
-        </a:xfrm>
-      </p:grpSpPr>
-      <p:sp>
-        <p:nvSpPr>
-          <p:cNvPr id="2" name="Espace réservé de l'image des diapositives 1"/>
-          <p:cNvSpPr>
-            <a:spLocks noGrp="1" noRot="1" noChangeAspect="1"/>
-          </p:cNvSpPr>
-          <p:nvPr>
-            <p:ph type="sldImg"/>
-          </p:nvPr>
-        </p:nvSpPr>
-        <p:spPr>
-          <a:xfrm>
-            <a:off x="381000" y="685800"/>
-            <a:ext cx="6096000" cy="3429000"/>
-          </a:xfrm>
-        </p:spPr>
-      </p:sp>
-      <p:sp>
-        <p:nvSpPr>
-          <p:cNvPr id="3" name="Espace réservé des notes 2"/>
-          <p:cNvSpPr>
-            <a:spLocks noGrp="1"/>
-          </p:cNvSpPr>
-          <p:nvPr>
-            <p:ph type="body" idx="1"/>
-          </p:nvPr>
-        </p:nvSpPr>
-        <p:spPr/>
-        <p:txBody>
-          <a:bodyPr/>
-          <a:lstStyle/>
-          <a:p>
-            <a:pPr>
-              <a:lnSpc>
-                <a:spcPct val="150000"/>
-              </a:lnSpc>
-            </a:pPr>
-            <a:endParaRPr lang="en-US" dirty="0"/>
-          </a:p>
-        </p:txBody>
-      </p:sp>
-    </p:spTree>
-    <p:extLst>
-      <p:ext uri="{BB962C8B-B14F-4D97-AF65-F5344CB8AC3E}">
-        <p14:creationId xmlns:p14="http://schemas.microsoft.com/office/powerpoint/2010/main" val="2259461155"/>
-      </p:ext>
-    </p:extLst>
-  </p:cSld>
-  <p:clrMapOvr>
-    <a:masterClrMapping/>
-  </p:clrMapOvr>
-</p:notes>
-</file>
-
-<file path=ppt/notesSlides/notesSlide6.xml><?xml version="1.0" encoding="utf-8"?>
 <p:notes xmlns:a="http://schemas.openxmlformats.org/drawingml/2006/main" xmlns:r="http://schemas.openxmlformats.org/officeDocument/2006/relationships" xmlns:p="http://schemas.openxmlformats.org/presentationml/2006/main">
   <p:cSld>
     <p:spTree>
@@ -3350,7 +3293,7 @@
           </a:ln>
           <a:extLst>
             <a:ext uri="{C572A759-6A51-4108-AA02-DFA0A04FC94B}">
-              <ma14:wrappingTextBoxFlag xmlns:ma14="http://schemas.microsoft.com/office/mac/drawingml/2011/main" xmlns:a14="http://schemas.microsoft.com/office/drawing/2010/main" xmlns:m="http://schemas.openxmlformats.org/officeDocument/2006/math" xmlns="" val="1"/>
+              <ma14:wrappingTextBoxFlag xmlns="" xmlns:m="http://schemas.openxmlformats.org/officeDocument/2006/math" xmlns:a14="http://schemas.microsoft.com/office/drawing/2010/main" xmlns:ma14="http://schemas.microsoft.com/office/mac/drawingml/2011/main" val="1"/>
             </a:ext>
           </a:extLst>
         </p:spPr>
@@ -3389,7 +3332,7 @@
           </a:ln>
           <a:extLst>
             <a:ext uri="{C572A759-6A51-4108-AA02-DFA0A04FC94B}">
-              <ma14:wrappingTextBoxFlag xmlns:ma14="http://schemas.microsoft.com/office/mac/drawingml/2011/main" xmlns:a14="http://schemas.microsoft.com/office/drawing/2010/main" xmlns:m="http://schemas.openxmlformats.org/officeDocument/2006/math" xmlns="" val="1"/>
+              <ma14:wrappingTextBoxFlag xmlns="" xmlns:m="http://schemas.openxmlformats.org/officeDocument/2006/math" xmlns:a14="http://schemas.microsoft.com/office/drawing/2010/main" xmlns:ma14="http://schemas.microsoft.com/office/mac/drawingml/2011/main" val="1"/>
             </a:ext>
           </a:extLst>
         </p:spPr>
@@ -4862,7 +4805,7 @@
                 <a:latin typeface="Calibri Light" panose="020F0302020204030204" pitchFamily="34" charset="0"/>
                 <a:cs typeface="Calibri Light" panose="020F0302020204030204" pitchFamily="34" charset="0"/>
               </a:rPr>
-              <a:t>Outline for Learning lab</a:t>
+              <a:t>Notice</a:t>
             </a:r>
             <a:endParaRPr lang="fr-FR" sz="4000" b="1" dirty="0">
               <a:solidFill>
@@ -4890,8 +4833,8 @@
         </p:nvSpPr>
         <p:spPr>
           <a:xfrm>
-            <a:off x="207880" y="1330160"/>
-            <a:ext cx="3419240" cy="5157234"/>
+            <a:off x="1259440" y="1263721"/>
+            <a:ext cx="10761324" cy="4890499"/>
           </a:xfrm>
           <a:prstGeom prst="rect">
             <a:avLst/>
@@ -5138,195 +5081,12 @@
             </a:lvl9pPr>
           </a:lstStyle>
           <a:p>
-            <a:pPr>
-              <a:lnSpc>
-                <a:spcPct val="100000"/>
+            <a:pPr lvl="1">
+              <a:lnSpc>
+                <a:spcPct val="150000"/>
               </a:lnSpc>
             </a:pPr>
-            <a:r>
-              <a:rPr lang="en-US" sz="2400" dirty="0">
-                <a:solidFill>
-                  <a:schemeClr val="tx1"/>
-                </a:solidFill>
-                <a:latin typeface="Calibri Light" panose="020F0302020204030204" pitchFamily="34" charset="0"/>
-                <a:cs typeface="Calibri Light" panose="020F0302020204030204" pitchFamily="34" charset="0"/>
-              </a:rPr>
-              <a:t>Introduction</a:t>
-            </a:r>
-          </a:p>
-          <a:p>
-            <a:pPr lvl="1">
-              <a:lnSpc>
-                <a:spcPct val="100000"/>
-              </a:lnSpc>
-            </a:pPr>
-            <a:r>
-              <a:rPr lang="en-US" sz="2400" dirty="0">
-                <a:solidFill>
-                  <a:schemeClr val="tx1"/>
-                </a:solidFill>
-                <a:latin typeface="Calibri Light" panose="020F0302020204030204" pitchFamily="34" charset="0"/>
-                <a:cs typeface="Calibri Light" panose="020F0302020204030204" pitchFamily="34" charset="0"/>
-              </a:rPr>
-              <a:t>History </a:t>
-            </a:r>
-          </a:p>
-          <a:p>
-            <a:pPr lvl="1">
-              <a:lnSpc>
-                <a:spcPct val="100000"/>
-              </a:lnSpc>
-            </a:pPr>
-            <a:r>
-              <a:rPr lang="en-US" sz="2400" dirty="0">
-                <a:solidFill>
-                  <a:schemeClr val="tx1"/>
-                </a:solidFill>
-                <a:latin typeface="Calibri Light" panose="020F0302020204030204" pitchFamily="34" charset="0"/>
-                <a:cs typeface="Calibri Light" panose="020F0302020204030204" pitchFamily="34" charset="0"/>
-              </a:rPr>
-              <a:t>Characteristics </a:t>
-            </a:r>
-          </a:p>
-          <a:p>
-            <a:pPr>
-              <a:lnSpc>
-                <a:spcPct val="100000"/>
-              </a:lnSpc>
-            </a:pPr>
-            <a:r>
-              <a:rPr lang="en-US" sz="2400" dirty="0">
-                <a:solidFill>
-                  <a:schemeClr val="tx1"/>
-                </a:solidFill>
-                <a:latin typeface="Calibri Light" panose="020F0302020204030204" pitchFamily="34" charset="0"/>
-                <a:cs typeface="Calibri Light" panose="020F0302020204030204" pitchFamily="34" charset="0"/>
-              </a:rPr>
-              <a:t>Environment</a:t>
-            </a:r>
-          </a:p>
-          <a:p>
-            <a:pPr lvl="1">
-              <a:lnSpc>
-                <a:spcPct val="100000"/>
-              </a:lnSpc>
-            </a:pPr>
-            <a:r>
-              <a:rPr lang="en-US" sz="2400" dirty="0">
-                <a:solidFill>
-                  <a:schemeClr val="tx1"/>
-                </a:solidFill>
-                <a:latin typeface="Calibri Light" panose="020F0302020204030204" pitchFamily="34" charset="0"/>
-                <a:cs typeface="Calibri Light" panose="020F0302020204030204" pitchFamily="34" charset="0"/>
-              </a:rPr>
-              <a:t>Anaconda</a:t>
-            </a:r>
-          </a:p>
-          <a:p>
-            <a:pPr lvl="1">
-              <a:lnSpc>
-                <a:spcPct val="100000"/>
-              </a:lnSpc>
-            </a:pPr>
-            <a:r>
-              <a:rPr lang="en-US" sz="2400" dirty="0">
-                <a:solidFill>
-                  <a:schemeClr val="tx1"/>
-                </a:solidFill>
-                <a:latin typeface="Calibri Light" panose="020F0302020204030204" pitchFamily="34" charset="0"/>
-                <a:cs typeface="Calibri Light" panose="020F0302020204030204" pitchFamily="34" charset="0"/>
-              </a:rPr>
-              <a:t>IDE</a:t>
-            </a:r>
-          </a:p>
-          <a:p>
-            <a:pPr lvl="1">
-              <a:lnSpc>
-                <a:spcPct val="100000"/>
-              </a:lnSpc>
-            </a:pPr>
-            <a:r>
-              <a:rPr lang="en-US" sz="2400" dirty="0">
-                <a:solidFill>
-                  <a:schemeClr val="tx1"/>
-                </a:solidFill>
-                <a:latin typeface="Calibri Light" panose="020F0302020204030204" pitchFamily="34" charset="0"/>
-                <a:cs typeface="Calibri Light" panose="020F0302020204030204" pitchFamily="34" charset="0"/>
-              </a:rPr>
-              <a:t>Virtual </a:t>
-            </a:r>
-            <a:r>
-              <a:rPr lang="en-US" sz="2400" dirty="0" err="1">
-                <a:solidFill>
-                  <a:schemeClr val="tx1"/>
-                </a:solidFill>
-                <a:latin typeface="Calibri Light" panose="020F0302020204030204" pitchFamily="34" charset="0"/>
-                <a:cs typeface="Calibri Light" panose="020F0302020204030204" pitchFamily="34" charset="0"/>
-              </a:rPr>
-              <a:t>Environnment</a:t>
-            </a:r>
-            <a:endParaRPr lang="en-US" sz="2400" dirty="0">
-              <a:solidFill>
-                <a:schemeClr val="tx1"/>
-              </a:solidFill>
-              <a:latin typeface="Calibri Light" panose="020F0302020204030204" pitchFamily="34" charset="0"/>
-              <a:cs typeface="Calibri Light" panose="020F0302020204030204" pitchFamily="34" charset="0"/>
-            </a:endParaRPr>
-          </a:p>
-          <a:p>
-            <a:pPr lvl="1">
-              <a:lnSpc>
-                <a:spcPct val="100000"/>
-              </a:lnSpc>
-            </a:pPr>
-            <a:r>
-              <a:rPr lang="en-US" sz="2400" dirty="0" err="1">
-                <a:solidFill>
-                  <a:schemeClr val="tx1"/>
-                </a:solidFill>
-                <a:latin typeface="Calibri Light" panose="020F0302020204030204" pitchFamily="34" charset="0"/>
-                <a:cs typeface="Calibri Light" panose="020F0302020204030204" pitchFamily="34" charset="0"/>
-              </a:rPr>
-              <a:t>Jupyter</a:t>
-            </a:r>
-            <a:r>
-              <a:rPr lang="en-US" sz="2400" dirty="0">
-                <a:solidFill>
-                  <a:schemeClr val="tx1"/>
-                </a:solidFill>
-                <a:latin typeface="Calibri Light" panose="020F0302020204030204" pitchFamily="34" charset="0"/>
-                <a:cs typeface="Calibri Light" panose="020F0302020204030204" pitchFamily="34" charset="0"/>
-              </a:rPr>
-              <a:t> Lab </a:t>
-            </a:r>
-            <a:r>
-              <a:rPr lang="en-US" sz="2400">
-                <a:solidFill>
-                  <a:schemeClr val="tx1"/>
-                </a:solidFill>
-                <a:latin typeface="Calibri Light" panose="020F0302020204030204" pitchFamily="34" charset="0"/>
-                <a:cs typeface="Calibri Light" panose="020F0302020204030204" pitchFamily="34" charset="0"/>
-              </a:rPr>
-              <a:t>or Notebook</a:t>
-            </a:r>
-            <a:endParaRPr lang="en-US" sz="2400" dirty="0">
-              <a:solidFill>
-                <a:schemeClr val="tx1"/>
-              </a:solidFill>
-              <a:latin typeface="Calibri Light" panose="020F0302020204030204" pitchFamily="34" charset="0"/>
-              <a:cs typeface="Calibri Light" panose="020F0302020204030204" pitchFamily="34" charset="0"/>
-            </a:endParaRPr>
-          </a:p>
-          <a:p>
-            <a:pPr lvl="1">
-              <a:lnSpc>
-                <a:spcPct val="100000"/>
-              </a:lnSpc>
-            </a:pPr>
-            <a:endParaRPr lang="en-US" sz="2400" dirty="0">
-              <a:solidFill>
-                <a:schemeClr val="tx1"/>
-              </a:solidFill>
+            <a:endParaRPr lang="en-US" sz="2400" b="1" dirty="0">
               <a:latin typeface="Calibri Light" panose="020F0302020204030204" pitchFamily="34" charset="0"/>
               <a:cs typeface="Calibri Light" panose="020F0302020204030204" pitchFamily="34" charset="0"/>
             </a:endParaRPr>
@@ -5335,31 +5095,29 @@
       </p:sp>
       <p:sp>
         <p:nvSpPr>
-          <p:cNvPr id="8" name="Espace réservé du texte 1">
+          <p:cNvPr id="6" name="Rectangle 4">
             <a:extLst>
               <a:ext uri="{FF2B5EF4-FFF2-40B4-BE49-F238E27FC236}">
-                <a16:creationId xmlns:a16="http://schemas.microsoft.com/office/drawing/2014/main" id="{4AC970D9-0E1D-9D94-AE60-DE4358F227D6}"/>
+                <a16:creationId xmlns:a16="http://schemas.microsoft.com/office/drawing/2014/main" id="{337B8DC3-FF31-B9EA-4DCC-B92324B10AD8}"/>
               </a:ext>
             </a:extLst>
           </p:cNvPr>
           <p:cNvSpPr txBox="1">
-            <a:spLocks/>
+            <a:spLocks noChangeArrowheads="1"/>
           </p:cNvSpPr>
           <p:nvPr/>
         </p:nvSpPr>
         <p:spPr>
           <a:xfrm>
-            <a:off x="5849420" y="1335640"/>
-            <a:ext cx="5641540" cy="2596280"/>
+            <a:off x="503238" y="1368425"/>
+            <a:ext cx="10850562" cy="3325495"/>
           </a:xfrm>
           <a:prstGeom prst="rect">
             <a:avLst/>
           </a:prstGeom>
         </p:spPr>
         <p:txBody>
-          <a:bodyPr>
-            <a:noAutofit/>
-          </a:bodyPr>
+          <a:bodyPr/>
           <a:lstStyle>
             <a:lvl1pPr marL="228600" marR="0" indent="-228600" algn="l" defTabSz="914400" rtl="0" latinLnBrk="0">
               <a:lnSpc>
@@ -5597,926 +5355,63 @@
             </a:lvl9pPr>
           </a:lstStyle>
           <a:p>
-            <a:pPr>
-              <a:lnSpc>
-                <a:spcPct val="100000"/>
-              </a:lnSpc>
+            <a:pPr marL="107950" indent="0" hangingPunct="1">
+              <a:buFont typeface="Wingdings" panose="05000000000000000000" pitchFamily="2" charset="2"/>
+              <a:buNone/>
+              <a:defRPr/>
             </a:pPr>
-            <a:endParaRPr lang="en-US" sz="2400" dirty="0">
-              <a:solidFill>
-                <a:schemeClr val="tx1"/>
-              </a:solidFill>
+            <a:endParaRPr lang="en-GB" altLang="fr-FR" sz="3600" dirty="0">
               <a:latin typeface="Calibri Light" panose="020F0302020204030204" pitchFamily="34" charset="0"/>
+              <a:ea typeface="ＭＳ Ｐゴシック" panose="020B0600070205080204" pitchFamily="34" charset="-128"/>
               <a:cs typeface="Calibri Light" panose="020F0302020204030204" pitchFamily="34" charset="0"/>
             </a:endParaRPr>
           </a:p>
-        </p:txBody>
-      </p:sp>
-      <p:sp>
-        <p:nvSpPr>
-          <p:cNvPr id="6" name="Espace réservé du texte 1">
-            <a:extLst>
-              <a:ext uri="{FF2B5EF4-FFF2-40B4-BE49-F238E27FC236}">
-                <a16:creationId xmlns:a16="http://schemas.microsoft.com/office/drawing/2014/main" id="{A9363FD2-D485-65A6-B7E7-BF4EFFE81130}"/>
-              </a:ext>
-            </a:extLst>
-          </p:cNvPr>
-          <p:cNvSpPr txBox="1">
-            <a:spLocks/>
-          </p:cNvSpPr>
-          <p:nvPr/>
-        </p:nvSpPr>
-        <p:spPr>
-          <a:xfrm>
-            <a:off x="7138572" y="1375880"/>
-            <a:ext cx="4989712" cy="5157234"/>
-          </a:xfrm>
-          <a:prstGeom prst="rect">
-            <a:avLst/>
-          </a:prstGeom>
-        </p:spPr>
-        <p:txBody>
-          <a:bodyPr>
-            <a:noAutofit/>
-          </a:bodyPr>
-          <a:lstStyle>
-            <a:lvl1pPr marL="228600" marR="0" indent="-228600" algn="l" defTabSz="914400" rtl="0" latinLnBrk="0">
-              <a:lnSpc>
-                <a:spcPct val="90000"/>
-              </a:lnSpc>
-              <a:spcBef>
-                <a:spcPts val="1000"/>
-              </a:spcBef>
-              <a:spcAft>
-                <a:spcPts val="0"/>
-              </a:spcAft>
-              <a:buClrTx/>
-              <a:buSzPct val="100000"/>
-              <a:buFont typeface="Arial"/>
-              <a:buChar char="•"/>
-              <a:tabLst/>
-              <a:defRPr sz="2800" b="0" i="0" u="none" strike="noStrike" cap="none" spc="0" baseline="0">
-                <a:solidFill>
-                  <a:srgbClr val="000000"/>
-                </a:solidFill>
-                <a:uFillTx/>
-                <a:latin typeface="+mn-lt"/>
-                <a:ea typeface="+mn-ea"/>
-                <a:cs typeface="+mn-cs"/>
-                <a:sym typeface="Calibri"/>
-              </a:defRPr>
-            </a:lvl1pPr>
-            <a:lvl2pPr marL="723900" marR="0" indent="-266700" algn="l" defTabSz="914400" rtl="0" latinLnBrk="0">
-              <a:lnSpc>
-                <a:spcPct val="90000"/>
-              </a:lnSpc>
-              <a:spcBef>
-                <a:spcPts val="1000"/>
-              </a:spcBef>
-              <a:spcAft>
-                <a:spcPts val="0"/>
-              </a:spcAft>
-              <a:buClrTx/>
-              <a:buSzPct val="100000"/>
-              <a:buFont typeface="Arial"/>
-              <a:buChar char="•"/>
-              <a:tabLst/>
-              <a:defRPr sz="2800" b="0" i="0" u="none" strike="noStrike" cap="none" spc="0" baseline="0">
-                <a:solidFill>
-                  <a:srgbClr val="000000"/>
-                </a:solidFill>
-                <a:uFillTx/>
-                <a:latin typeface="+mn-lt"/>
-                <a:ea typeface="+mn-ea"/>
-                <a:cs typeface="+mn-cs"/>
-                <a:sym typeface="Calibri"/>
-              </a:defRPr>
-            </a:lvl2pPr>
-            <a:lvl3pPr marL="1234439" marR="0" indent="-320039" algn="l" defTabSz="914400" rtl="0" latinLnBrk="0">
-              <a:lnSpc>
-                <a:spcPct val="90000"/>
-              </a:lnSpc>
-              <a:spcBef>
-                <a:spcPts val="1000"/>
-              </a:spcBef>
-              <a:spcAft>
-                <a:spcPts val="0"/>
-              </a:spcAft>
-              <a:buClrTx/>
-              <a:buSzPct val="100000"/>
-              <a:buFont typeface="Arial"/>
-              <a:buChar char="•"/>
-              <a:tabLst/>
-              <a:defRPr sz="2800" b="0" i="0" u="none" strike="noStrike" cap="none" spc="0" baseline="0">
-                <a:solidFill>
-                  <a:srgbClr val="000000"/>
-                </a:solidFill>
-                <a:uFillTx/>
-                <a:latin typeface="+mn-lt"/>
-                <a:ea typeface="+mn-ea"/>
-                <a:cs typeface="+mn-cs"/>
-                <a:sym typeface="Calibri"/>
-              </a:defRPr>
-            </a:lvl3pPr>
-            <a:lvl4pPr marL="1727200" marR="0" indent="-355600" algn="l" defTabSz="914400" rtl="0" latinLnBrk="0">
-              <a:lnSpc>
-                <a:spcPct val="90000"/>
-              </a:lnSpc>
-              <a:spcBef>
-                <a:spcPts val="1000"/>
-              </a:spcBef>
-              <a:spcAft>
-                <a:spcPts val="0"/>
-              </a:spcAft>
-              <a:buClrTx/>
-              <a:buSzPct val="100000"/>
-              <a:buFont typeface="Arial"/>
-              <a:buChar char="•"/>
-              <a:tabLst/>
-              <a:defRPr sz="2800" b="0" i="0" u="none" strike="noStrike" cap="none" spc="0" baseline="0">
-                <a:solidFill>
-                  <a:srgbClr val="000000"/>
-                </a:solidFill>
-                <a:uFillTx/>
-                <a:latin typeface="+mn-lt"/>
-                <a:ea typeface="+mn-ea"/>
-                <a:cs typeface="+mn-cs"/>
-                <a:sym typeface="Calibri"/>
-              </a:defRPr>
-            </a:lvl4pPr>
-            <a:lvl5pPr marL="2184400" marR="0" indent="-355600" algn="l" defTabSz="914400" rtl="0" latinLnBrk="0">
-              <a:lnSpc>
-                <a:spcPct val="90000"/>
-              </a:lnSpc>
-              <a:spcBef>
-                <a:spcPts val="1000"/>
-              </a:spcBef>
-              <a:spcAft>
-                <a:spcPts val="0"/>
-              </a:spcAft>
-              <a:buClrTx/>
-              <a:buSzPct val="100000"/>
-              <a:buFont typeface="Arial"/>
-              <a:buChar char="•"/>
-              <a:tabLst/>
-              <a:defRPr sz="2800" b="0" i="0" u="none" strike="noStrike" cap="none" spc="0" baseline="0">
-                <a:solidFill>
-                  <a:srgbClr val="000000"/>
-                </a:solidFill>
-                <a:uFillTx/>
-                <a:latin typeface="+mn-lt"/>
-                <a:ea typeface="+mn-ea"/>
-                <a:cs typeface="+mn-cs"/>
-                <a:sym typeface="Calibri"/>
-              </a:defRPr>
-            </a:lvl5pPr>
-            <a:lvl6pPr marL="2641600" marR="0" indent="-355600" algn="l" defTabSz="914400" rtl="0" latinLnBrk="0">
-              <a:lnSpc>
-                <a:spcPct val="90000"/>
-              </a:lnSpc>
-              <a:spcBef>
-                <a:spcPts val="1000"/>
-              </a:spcBef>
-              <a:spcAft>
-                <a:spcPts val="0"/>
-              </a:spcAft>
-              <a:buClrTx/>
-              <a:buSzPct val="100000"/>
-              <a:buFont typeface="Arial"/>
-              <a:buChar char="•"/>
-              <a:tabLst/>
-              <a:defRPr sz="2800" b="0" i="0" u="none" strike="noStrike" cap="none" spc="0" baseline="0">
-                <a:solidFill>
-                  <a:srgbClr val="000000"/>
-                </a:solidFill>
-                <a:uFillTx/>
-                <a:latin typeface="+mn-lt"/>
-                <a:ea typeface="+mn-ea"/>
-                <a:cs typeface="+mn-cs"/>
-                <a:sym typeface="Calibri"/>
-              </a:defRPr>
-            </a:lvl6pPr>
-            <a:lvl7pPr marL="3098800" marR="0" indent="-355600" algn="l" defTabSz="914400" rtl="0" latinLnBrk="0">
-              <a:lnSpc>
-                <a:spcPct val="90000"/>
-              </a:lnSpc>
-              <a:spcBef>
-                <a:spcPts val="1000"/>
-              </a:spcBef>
-              <a:spcAft>
-                <a:spcPts val="0"/>
-              </a:spcAft>
-              <a:buClrTx/>
-              <a:buSzPct val="100000"/>
-              <a:buFont typeface="Arial"/>
-              <a:buChar char="•"/>
-              <a:tabLst/>
-              <a:defRPr sz="2800" b="0" i="0" u="none" strike="noStrike" cap="none" spc="0" baseline="0">
-                <a:solidFill>
-                  <a:srgbClr val="000000"/>
-                </a:solidFill>
-                <a:uFillTx/>
-                <a:latin typeface="+mn-lt"/>
-                <a:ea typeface="+mn-ea"/>
-                <a:cs typeface="+mn-cs"/>
-                <a:sym typeface="Calibri"/>
-              </a:defRPr>
-            </a:lvl7pPr>
-            <a:lvl8pPr marL="3556000" marR="0" indent="-355600" algn="l" defTabSz="914400" rtl="0" latinLnBrk="0">
-              <a:lnSpc>
-                <a:spcPct val="90000"/>
-              </a:lnSpc>
-              <a:spcBef>
-                <a:spcPts val="1000"/>
-              </a:spcBef>
-              <a:spcAft>
-                <a:spcPts val="0"/>
-              </a:spcAft>
-              <a:buClrTx/>
-              <a:buSzPct val="100000"/>
-              <a:buFont typeface="Arial"/>
-              <a:buChar char="•"/>
-              <a:tabLst/>
-              <a:defRPr sz="2800" b="0" i="0" u="none" strike="noStrike" cap="none" spc="0" baseline="0">
-                <a:solidFill>
-                  <a:srgbClr val="000000"/>
-                </a:solidFill>
-                <a:uFillTx/>
-                <a:latin typeface="+mn-lt"/>
-                <a:ea typeface="+mn-ea"/>
-                <a:cs typeface="+mn-cs"/>
-                <a:sym typeface="Calibri"/>
-              </a:defRPr>
-            </a:lvl8pPr>
-            <a:lvl9pPr marL="4013200" marR="0" indent="-355600" algn="l" defTabSz="914400" rtl="0" latinLnBrk="0">
-              <a:lnSpc>
-                <a:spcPct val="90000"/>
-              </a:lnSpc>
-              <a:spcBef>
-                <a:spcPts val="1000"/>
-              </a:spcBef>
-              <a:spcAft>
-                <a:spcPts val="0"/>
-              </a:spcAft>
-              <a:buClrTx/>
-              <a:buSzPct val="100000"/>
-              <a:buFont typeface="Arial"/>
-              <a:buChar char="•"/>
-              <a:tabLst/>
-              <a:defRPr sz="2800" b="0" i="0" u="none" strike="noStrike" cap="none" spc="0" baseline="0">
-                <a:solidFill>
-                  <a:srgbClr val="000000"/>
-                </a:solidFill>
-                <a:uFillTx/>
-                <a:latin typeface="+mn-lt"/>
-                <a:ea typeface="+mn-ea"/>
-                <a:cs typeface="+mn-cs"/>
-                <a:sym typeface="Calibri"/>
-              </a:defRPr>
-            </a:lvl9pPr>
-          </a:lstStyle>
-          <a:p>
-            <a:pPr>
-              <a:lnSpc>
-                <a:spcPct val="100000"/>
-              </a:lnSpc>
+          <a:p>
+            <a:pPr marL="107950" indent="0" algn="ctr" hangingPunct="1">
+              <a:buFont typeface="Wingdings" panose="05000000000000000000" pitchFamily="2" charset="2"/>
+              <a:buNone/>
+              <a:defRPr/>
+            </a:pPr>
+            <a:endParaRPr lang="en-GB" altLang="fr-FR" sz="3600" dirty="0">
+              <a:latin typeface="Calibri Light" panose="020F0302020204030204" pitchFamily="34" charset="0"/>
+              <a:ea typeface="ＭＳ Ｐゴシック" panose="020B0600070205080204" pitchFamily="34" charset="-128"/>
+              <a:cs typeface="Calibri Light" panose="020F0302020204030204" pitchFamily="34" charset="0"/>
+            </a:endParaRPr>
+          </a:p>
+          <a:p>
+            <a:pPr marL="107950" indent="0" algn="ctr" hangingPunct="1">
+              <a:buFont typeface="Wingdings" panose="05000000000000000000" pitchFamily="2" charset="2"/>
+              <a:buNone/>
+              <a:defRPr/>
             </a:pPr>
             <a:r>
-              <a:rPr lang="en-US" sz="2400" dirty="0">
-                <a:solidFill>
-                  <a:schemeClr val="tx1"/>
-                </a:solidFill>
+              <a:rPr lang="en-GB" altLang="fr-FR" sz="3600" dirty="0">
                 <a:latin typeface="Calibri Light" panose="020F0302020204030204" pitchFamily="34" charset="0"/>
+                <a:ea typeface="ＭＳ Ｐゴシック" panose="020B0600070205080204" pitchFamily="34" charset="-128"/>
                 <a:cs typeface="Calibri Light" panose="020F0302020204030204" pitchFamily="34" charset="0"/>
               </a:rPr>
-              <a:t>Python Comparison Operators</a:t>
+              <a:t>Please note, this is not meant to be a comprehensive overview of Python or programming in general</a:t>
             </a:r>
-          </a:p>
-          <a:p>
-            <a:pPr>
-              <a:lnSpc>
-                <a:spcPct val="100000"/>
-              </a:lnSpc>
-            </a:pPr>
             <a:r>
-              <a:rPr lang="en-US" sz="2400" dirty="0">
-                <a:solidFill>
-                  <a:schemeClr val="tx1"/>
-                </a:solidFill>
+              <a:rPr lang="en-GB" altLang="fr-FR" dirty="0">
                 <a:latin typeface="Calibri Light" panose="020F0302020204030204" pitchFamily="34" charset="0"/>
+                <a:ea typeface="ＭＳ Ｐゴシック" panose="020B0600070205080204" pitchFamily="34" charset="-128"/>
                 <a:cs typeface="Calibri Light" panose="020F0302020204030204" pitchFamily="34" charset="0"/>
               </a:rPr>
-              <a:t>Python statements </a:t>
+              <a:t>. </a:t>
             </a:r>
-          </a:p>
-          <a:p>
-            <a:pPr lvl="1">
-              <a:lnSpc>
-                <a:spcPct val="100000"/>
-              </a:lnSpc>
-            </a:pPr>
-            <a:r>
-              <a:rPr lang="en-US" sz="2400" dirty="0">
-                <a:solidFill>
-                  <a:schemeClr val="tx1"/>
-                </a:solidFill>
-                <a:latin typeface="Calibri Light" panose="020F0302020204030204" pitchFamily="34" charset="0"/>
-                <a:cs typeface="Calibri Light" panose="020F0302020204030204" pitchFamily="34" charset="0"/>
-              </a:rPr>
-              <a:t>if, </a:t>
-            </a:r>
-            <a:r>
-              <a:rPr lang="en-US" sz="2400" dirty="0" err="1">
-                <a:solidFill>
-                  <a:schemeClr val="tx1"/>
-                </a:solidFill>
-                <a:latin typeface="Calibri Light" panose="020F0302020204030204" pitchFamily="34" charset="0"/>
-                <a:cs typeface="Calibri Light" panose="020F0302020204030204" pitchFamily="34" charset="0"/>
-              </a:rPr>
-              <a:t>elif</a:t>
-            </a:r>
-            <a:r>
-              <a:rPr lang="en-US" sz="2400" dirty="0">
-                <a:solidFill>
-                  <a:schemeClr val="tx1"/>
-                </a:solidFill>
-                <a:latin typeface="Calibri Light" panose="020F0302020204030204" pitchFamily="34" charset="0"/>
-                <a:cs typeface="Calibri Light" panose="020F0302020204030204" pitchFamily="34" charset="0"/>
-              </a:rPr>
-              <a:t>, else Statements</a:t>
-            </a:r>
-          </a:p>
-          <a:p>
-            <a:pPr lvl="1">
-              <a:lnSpc>
-                <a:spcPct val="100000"/>
-              </a:lnSpc>
-            </a:pPr>
-            <a:r>
-              <a:rPr lang="en-US" sz="2400" dirty="0">
-                <a:solidFill>
-                  <a:schemeClr val="tx1"/>
-                </a:solidFill>
-                <a:latin typeface="Calibri Light" panose="020F0302020204030204" pitchFamily="34" charset="0"/>
-                <a:cs typeface="Calibri Light" panose="020F0302020204030204" pitchFamily="34" charset="0"/>
-              </a:rPr>
-              <a:t>for Loops</a:t>
-            </a:r>
-          </a:p>
-          <a:p>
-            <a:pPr lvl="1">
-              <a:lnSpc>
-                <a:spcPct val="100000"/>
-              </a:lnSpc>
-            </a:pPr>
-            <a:r>
-              <a:rPr lang="en-US" sz="2400" dirty="0">
-                <a:solidFill>
-                  <a:schemeClr val="tx1"/>
-                </a:solidFill>
-                <a:latin typeface="Calibri Light" panose="020F0302020204030204" pitchFamily="34" charset="0"/>
-                <a:cs typeface="Calibri Light" panose="020F0302020204030204" pitchFamily="34" charset="0"/>
-              </a:rPr>
-              <a:t>while Loops</a:t>
-            </a:r>
-          </a:p>
-          <a:p>
-            <a:pPr>
-              <a:lnSpc>
-                <a:spcPct val="100000"/>
-              </a:lnSpc>
-            </a:pPr>
-            <a:r>
-              <a:rPr lang="en-US" sz="2400" dirty="0">
-                <a:solidFill>
-                  <a:schemeClr val="tx1"/>
-                </a:solidFill>
-                <a:latin typeface="Calibri Light" panose="020F0302020204030204" pitchFamily="34" charset="0"/>
-                <a:cs typeface="Calibri Light" panose="020F0302020204030204" pitchFamily="34" charset="0"/>
-              </a:rPr>
-              <a:t>Methods and functions</a:t>
-            </a:r>
-          </a:p>
-          <a:p>
-            <a:pPr lvl="1">
-              <a:lnSpc>
-                <a:spcPct val="100000"/>
-              </a:lnSpc>
-            </a:pPr>
-            <a:r>
-              <a:rPr lang="en-US" sz="2400" dirty="0">
-                <a:solidFill>
-                  <a:schemeClr val="tx1"/>
-                </a:solidFill>
-                <a:latin typeface="Calibri Light" panose="020F0302020204030204" pitchFamily="34" charset="0"/>
-                <a:cs typeface="Calibri Light" panose="020F0302020204030204" pitchFamily="34" charset="0"/>
-              </a:rPr>
-              <a:t>lambda expressions</a:t>
-            </a:r>
-          </a:p>
-          <a:p>
-            <a:pPr lvl="1">
-              <a:lnSpc>
-                <a:spcPct val="100000"/>
-              </a:lnSpc>
-            </a:pPr>
-            <a:r>
-              <a:rPr lang="en-US" sz="2400" dirty="0">
-                <a:solidFill>
-                  <a:schemeClr val="tx1"/>
-                </a:solidFill>
-                <a:latin typeface="Calibri Light" panose="020F0302020204030204" pitchFamily="34" charset="0"/>
-                <a:cs typeface="Calibri Light" panose="020F0302020204030204" pitchFamily="34" charset="0"/>
-              </a:rPr>
-              <a:t>map and filter</a:t>
-            </a:r>
-          </a:p>
-          <a:p>
-            <a:pPr>
-              <a:lnSpc>
-                <a:spcPct val="100000"/>
-              </a:lnSpc>
-            </a:pPr>
-            <a:r>
-              <a:rPr lang="en-US" sz="2400" dirty="0">
-                <a:solidFill>
-                  <a:schemeClr val="tx1"/>
-                </a:solidFill>
-                <a:latin typeface="Calibri Light" panose="020F0302020204030204" pitchFamily="34" charset="0"/>
-                <a:cs typeface="Calibri Light" panose="020F0302020204030204" pitchFamily="34" charset="0"/>
-              </a:rPr>
-              <a:t>Error handling</a:t>
-            </a:r>
-          </a:p>
-          <a:p>
-            <a:pPr lvl="1">
-              <a:lnSpc>
-                <a:spcPct val="100000"/>
-              </a:lnSpc>
-            </a:pPr>
-            <a:r>
-              <a:rPr lang="en-US" sz="2400" dirty="0">
-                <a:solidFill>
-                  <a:schemeClr val="tx1"/>
-                </a:solidFill>
-                <a:latin typeface="Calibri Light" panose="020F0302020204030204" pitchFamily="34" charset="0"/>
-                <a:cs typeface="Calibri Light" panose="020F0302020204030204" pitchFamily="34" charset="0"/>
-              </a:rPr>
-              <a:t>Modules and Packages</a:t>
-            </a:r>
-          </a:p>
-          <a:p>
-            <a:pPr>
-              <a:lnSpc>
-                <a:spcPct val="100000"/>
-              </a:lnSpc>
-            </a:pPr>
-            <a:endParaRPr lang="en-US" sz="2400" dirty="0">
-              <a:solidFill>
-                <a:schemeClr val="tx1"/>
-              </a:solidFill>
+            <a:endParaRPr lang="en-GB" altLang="fr-FR" sz="3600" dirty="0">
               <a:latin typeface="Calibri Light" panose="020F0302020204030204" pitchFamily="34" charset="0"/>
+              <a:ea typeface="ＭＳ Ｐゴシック" panose="020B0600070205080204" pitchFamily="34" charset="-128"/>
               <a:cs typeface="Calibri Light" panose="020F0302020204030204" pitchFamily="34" charset="0"/>
             </a:endParaRPr>
-          </a:p>
-          <a:p>
-            <a:pPr>
-              <a:lnSpc>
-                <a:spcPct val="100000"/>
-              </a:lnSpc>
-            </a:pPr>
-            <a:endParaRPr lang="en-US" sz="2400" dirty="0">
-              <a:solidFill>
-                <a:schemeClr val="tx1"/>
-              </a:solidFill>
-              <a:latin typeface="Calibri Light" panose="020F0302020204030204" pitchFamily="34" charset="0"/>
-              <a:cs typeface="Calibri Light" panose="020F0302020204030204" pitchFamily="34" charset="0"/>
-            </a:endParaRPr>
-          </a:p>
-        </p:txBody>
-      </p:sp>
-      <p:sp>
-        <p:nvSpPr>
-          <p:cNvPr id="7" name="Espace réservé du texte 1">
-            <a:extLst>
-              <a:ext uri="{FF2B5EF4-FFF2-40B4-BE49-F238E27FC236}">
-                <a16:creationId xmlns:a16="http://schemas.microsoft.com/office/drawing/2014/main" id="{7C572639-8F10-B854-983F-079CA0B48960}"/>
-              </a:ext>
-            </a:extLst>
-          </p:cNvPr>
-          <p:cNvSpPr txBox="1">
-            <a:spLocks/>
-          </p:cNvSpPr>
-          <p:nvPr/>
-        </p:nvSpPr>
-        <p:spPr>
-          <a:xfrm>
-            <a:off x="4139800" y="1353303"/>
-            <a:ext cx="3419240" cy="5157234"/>
-          </a:xfrm>
-          <a:prstGeom prst="rect">
-            <a:avLst/>
-          </a:prstGeom>
-        </p:spPr>
-        <p:txBody>
-          <a:bodyPr>
-            <a:noAutofit/>
-          </a:bodyPr>
-          <a:lstStyle>
-            <a:lvl1pPr marL="228600" marR="0" indent="-228600" algn="l" defTabSz="914400" rtl="0" latinLnBrk="0">
-              <a:lnSpc>
-                <a:spcPct val="90000"/>
-              </a:lnSpc>
-              <a:spcBef>
-                <a:spcPts val="1000"/>
-              </a:spcBef>
-              <a:spcAft>
-                <a:spcPts val="0"/>
-              </a:spcAft>
-              <a:buClrTx/>
-              <a:buSzPct val="100000"/>
-              <a:buFont typeface="Arial"/>
-              <a:buChar char="•"/>
-              <a:tabLst/>
-              <a:defRPr sz="2800" b="0" i="0" u="none" strike="noStrike" cap="none" spc="0" baseline="0">
-                <a:solidFill>
-                  <a:srgbClr val="000000"/>
-                </a:solidFill>
-                <a:uFillTx/>
-                <a:latin typeface="+mn-lt"/>
-                <a:ea typeface="+mn-ea"/>
-                <a:cs typeface="+mn-cs"/>
-                <a:sym typeface="Calibri"/>
-              </a:defRPr>
-            </a:lvl1pPr>
-            <a:lvl2pPr marL="723900" marR="0" indent="-266700" algn="l" defTabSz="914400" rtl="0" latinLnBrk="0">
-              <a:lnSpc>
-                <a:spcPct val="90000"/>
-              </a:lnSpc>
-              <a:spcBef>
-                <a:spcPts val="1000"/>
-              </a:spcBef>
-              <a:spcAft>
-                <a:spcPts val="0"/>
-              </a:spcAft>
-              <a:buClrTx/>
-              <a:buSzPct val="100000"/>
-              <a:buFont typeface="Arial"/>
-              <a:buChar char="•"/>
-              <a:tabLst/>
-              <a:defRPr sz="2800" b="0" i="0" u="none" strike="noStrike" cap="none" spc="0" baseline="0">
-                <a:solidFill>
-                  <a:srgbClr val="000000"/>
-                </a:solidFill>
-                <a:uFillTx/>
-                <a:latin typeface="+mn-lt"/>
-                <a:ea typeface="+mn-ea"/>
-                <a:cs typeface="+mn-cs"/>
-                <a:sym typeface="Calibri"/>
-              </a:defRPr>
-            </a:lvl2pPr>
-            <a:lvl3pPr marL="1234439" marR="0" indent="-320039" algn="l" defTabSz="914400" rtl="0" latinLnBrk="0">
-              <a:lnSpc>
-                <a:spcPct val="90000"/>
-              </a:lnSpc>
-              <a:spcBef>
-                <a:spcPts val="1000"/>
-              </a:spcBef>
-              <a:spcAft>
-                <a:spcPts val="0"/>
-              </a:spcAft>
-              <a:buClrTx/>
-              <a:buSzPct val="100000"/>
-              <a:buFont typeface="Arial"/>
-              <a:buChar char="•"/>
-              <a:tabLst/>
-              <a:defRPr sz="2800" b="0" i="0" u="none" strike="noStrike" cap="none" spc="0" baseline="0">
-                <a:solidFill>
-                  <a:srgbClr val="000000"/>
-                </a:solidFill>
-                <a:uFillTx/>
-                <a:latin typeface="+mn-lt"/>
-                <a:ea typeface="+mn-ea"/>
-                <a:cs typeface="+mn-cs"/>
-                <a:sym typeface="Calibri"/>
-              </a:defRPr>
-            </a:lvl3pPr>
-            <a:lvl4pPr marL="1727200" marR="0" indent="-355600" algn="l" defTabSz="914400" rtl="0" latinLnBrk="0">
-              <a:lnSpc>
-                <a:spcPct val="90000"/>
-              </a:lnSpc>
-              <a:spcBef>
-                <a:spcPts val="1000"/>
-              </a:spcBef>
-              <a:spcAft>
-                <a:spcPts val="0"/>
-              </a:spcAft>
-              <a:buClrTx/>
-              <a:buSzPct val="100000"/>
-              <a:buFont typeface="Arial"/>
-              <a:buChar char="•"/>
-              <a:tabLst/>
-              <a:defRPr sz="2800" b="0" i="0" u="none" strike="noStrike" cap="none" spc="0" baseline="0">
-                <a:solidFill>
-                  <a:srgbClr val="000000"/>
-                </a:solidFill>
-                <a:uFillTx/>
-                <a:latin typeface="+mn-lt"/>
-                <a:ea typeface="+mn-ea"/>
-                <a:cs typeface="+mn-cs"/>
-                <a:sym typeface="Calibri"/>
-              </a:defRPr>
-            </a:lvl4pPr>
-            <a:lvl5pPr marL="2184400" marR="0" indent="-355600" algn="l" defTabSz="914400" rtl="0" latinLnBrk="0">
-              <a:lnSpc>
-                <a:spcPct val="90000"/>
-              </a:lnSpc>
-              <a:spcBef>
-                <a:spcPts val="1000"/>
-              </a:spcBef>
-              <a:spcAft>
-                <a:spcPts val="0"/>
-              </a:spcAft>
-              <a:buClrTx/>
-              <a:buSzPct val="100000"/>
-              <a:buFont typeface="Arial"/>
-              <a:buChar char="•"/>
-              <a:tabLst/>
-              <a:defRPr sz="2800" b="0" i="0" u="none" strike="noStrike" cap="none" spc="0" baseline="0">
-                <a:solidFill>
-                  <a:srgbClr val="000000"/>
-                </a:solidFill>
-                <a:uFillTx/>
-                <a:latin typeface="+mn-lt"/>
-                <a:ea typeface="+mn-ea"/>
-                <a:cs typeface="+mn-cs"/>
-                <a:sym typeface="Calibri"/>
-              </a:defRPr>
-            </a:lvl5pPr>
-            <a:lvl6pPr marL="2641600" marR="0" indent="-355600" algn="l" defTabSz="914400" rtl="0" latinLnBrk="0">
-              <a:lnSpc>
-                <a:spcPct val="90000"/>
-              </a:lnSpc>
-              <a:spcBef>
-                <a:spcPts val="1000"/>
-              </a:spcBef>
-              <a:spcAft>
-                <a:spcPts val="0"/>
-              </a:spcAft>
-              <a:buClrTx/>
-              <a:buSzPct val="100000"/>
-              <a:buFont typeface="Arial"/>
-              <a:buChar char="•"/>
-              <a:tabLst/>
-              <a:defRPr sz="2800" b="0" i="0" u="none" strike="noStrike" cap="none" spc="0" baseline="0">
-                <a:solidFill>
-                  <a:srgbClr val="000000"/>
-                </a:solidFill>
-                <a:uFillTx/>
-                <a:latin typeface="+mn-lt"/>
-                <a:ea typeface="+mn-ea"/>
-                <a:cs typeface="+mn-cs"/>
-                <a:sym typeface="Calibri"/>
-              </a:defRPr>
-            </a:lvl6pPr>
-            <a:lvl7pPr marL="3098800" marR="0" indent="-355600" algn="l" defTabSz="914400" rtl="0" latinLnBrk="0">
-              <a:lnSpc>
-                <a:spcPct val="90000"/>
-              </a:lnSpc>
-              <a:spcBef>
-                <a:spcPts val="1000"/>
-              </a:spcBef>
-              <a:spcAft>
-                <a:spcPts val="0"/>
-              </a:spcAft>
-              <a:buClrTx/>
-              <a:buSzPct val="100000"/>
-              <a:buFont typeface="Arial"/>
-              <a:buChar char="•"/>
-              <a:tabLst/>
-              <a:defRPr sz="2800" b="0" i="0" u="none" strike="noStrike" cap="none" spc="0" baseline="0">
-                <a:solidFill>
-                  <a:srgbClr val="000000"/>
-                </a:solidFill>
-                <a:uFillTx/>
-                <a:latin typeface="+mn-lt"/>
-                <a:ea typeface="+mn-ea"/>
-                <a:cs typeface="+mn-cs"/>
-                <a:sym typeface="Calibri"/>
-              </a:defRPr>
-            </a:lvl7pPr>
-            <a:lvl8pPr marL="3556000" marR="0" indent="-355600" algn="l" defTabSz="914400" rtl="0" latinLnBrk="0">
-              <a:lnSpc>
-                <a:spcPct val="90000"/>
-              </a:lnSpc>
-              <a:spcBef>
-                <a:spcPts val="1000"/>
-              </a:spcBef>
-              <a:spcAft>
-                <a:spcPts val="0"/>
-              </a:spcAft>
-              <a:buClrTx/>
-              <a:buSzPct val="100000"/>
-              <a:buFont typeface="Arial"/>
-              <a:buChar char="•"/>
-              <a:tabLst/>
-              <a:defRPr sz="2800" b="0" i="0" u="none" strike="noStrike" cap="none" spc="0" baseline="0">
-                <a:solidFill>
-                  <a:srgbClr val="000000"/>
-                </a:solidFill>
-                <a:uFillTx/>
-                <a:latin typeface="+mn-lt"/>
-                <a:ea typeface="+mn-ea"/>
-                <a:cs typeface="+mn-cs"/>
-                <a:sym typeface="Calibri"/>
-              </a:defRPr>
-            </a:lvl8pPr>
-            <a:lvl9pPr marL="4013200" marR="0" indent="-355600" algn="l" defTabSz="914400" rtl="0" latinLnBrk="0">
-              <a:lnSpc>
-                <a:spcPct val="90000"/>
-              </a:lnSpc>
-              <a:spcBef>
-                <a:spcPts val="1000"/>
-              </a:spcBef>
-              <a:spcAft>
-                <a:spcPts val="0"/>
-              </a:spcAft>
-              <a:buClrTx/>
-              <a:buSzPct val="100000"/>
-              <a:buFont typeface="Arial"/>
-              <a:buChar char="•"/>
-              <a:tabLst/>
-              <a:defRPr sz="2800" b="0" i="0" u="none" strike="noStrike" cap="none" spc="0" baseline="0">
-                <a:solidFill>
-                  <a:srgbClr val="000000"/>
-                </a:solidFill>
-                <a:uFillTx/>
-                <a:latin typeface="+mn-lt"/>
-                <a:ea typeface="+mn-ea"/>
-                <a:cs typeface="+mn-cs"/>
-                <a:sym typeface="Calibri"/>
-              </a:defRPr>
-            </a:lvl9pPr>
-          </a:lstStyle>
-          <a:p>
-            <a:pPr>
-              <a:lnSpc>
-                <a:spcPct val="100000"/>
-              </a:lnSpc>
-            </a:pPr>
-            <a:r>
-              <a:rPr lang="en-US" sz="2400" dirty="0">
-                <a:solidFill>
-                  <a:schemeClr val="tx1"/>
-                </a:solidFill>
-                <a:latin typeface="Calibri Light" panose="020F0302020204030204" pitchFamily="34" charset="0"/>
-                <a:cs typeface="Calibri Light" panose="020F0302020204030204" pitchFamily="34" charset="0"/>
-              </a:rPr>
-              <a:t>Data types</a:t>
-            </a:r>
-          </a:p>
-          <a:p>
-            <a:pPr lvl="1">
-              <a:lnSpc>
-                <a:spcPct val="100000"/>
-              </a:lnSpc>
-            </a:pPr>
-            <a:r>
-              <a:rPr lang="en-US" sz="2400" dirty="0">
-                <a:solidFill>
-                  <a:schemeClr val="tx1"/>
-                </a:solidFill>
-                <a:latin typeface="Calibri Light" panose="020F0302020204030204" pitchFamily="34" charset="0"/>
-                <a:cs typeface="Calibri Light" panose="020F0302020204030204" pitchFamily="34" charset="0"/>
-              </a:rPr>
-              <a:t>Numbers</a:t>
-            </a:r>
-          </a:p>
-          <a:p>
-            <a:pPr lvl="1">
-              <a:lnSpc>
-                <a:spcPct val="100000"/>
-              </a:lnSpc>
-            </a:pPr>
-            <a:r>
-              <a:rPr lang="en-US" sz="2400" dirty="0">
-                <a:solidFill>
-                  <a:schemeClr val="tx1"/>
-                </a:solidFill>
-                <a:latin typeface="Calibri Light" panose="020F0302020204030204" pitchFamily="34" charset="0"/>
-                <a:cs typeface="Calibri Light" panose="020F0302020204030204" pitchFamily="34" charset="0"/>
-              </a:rPr>
-              <a:t>String</a:t>
-            </a:r>
-          </a:p>
-          <a:p>
-            <a:pPr lvl="1">
-              <a:lnSpc>
-                <a:spcPct val="100000"/>
-              </a:lnSpc>
-            </a:pPr>
-            <a:r>
-              <a:rPr lang="en-US" sz="2400" dirty="0">
-                <a:solidFill>
-                  <a:schemeClr val="tx1"/>
-                </a:solidFill>
-                <a:latin typeface="Calibri Light" panose="020F0302020204030204" pitchFamily="34" charset="0"/>
-                <a:cs typeface="Calibri Light" panose="020F0302020204030204" pitchFamily="34" charset="0"/>
-              </a:rPr>
-              <a:t>Printing</a:t>
-            </a:r>
-          </a:p>
-          <a:p>
-            <a:pPr lvl="1">
-              <a:lnSpc>
-                <a:spcPct val="100000"/>
-              </a:lnSpc>
-            </a:pPr>
-            <a:r>
-              <a:rPr lang="en-US" sz="2400" dirty="0">
-                <a:solidFill>
-                  <a:schemeClr val="tx1"/>
-                </a:solidFill>
-                <a:latin typeface="Calibri Light" panose="020F0302020204030204" pitchFamily="34" charset="0"/>
-                <a:cs typeface="Calibri Light" panose="020F0302020204030204" pitchFamily="34" charset="0"/>
-              </a:rPr>
-              <a:t>Lists</a:t>
-            </a:r>
-          </a:p>
-          <a:p>
-            <a:pPr lvl="1">
-              <a:lnSpc>
-                <a:spcPct val="100000"/>
-              </a:lnSpc>
-            </a:pPr>
-            <a:r>
-              <a:rPr lang="en-US" sz="2400" dirty="0">
-                <a:solidFill>
-                  <a:schemeClr val="tx1"/>
-                </a:solidFill>
-                <a:latin typeface="Calibri Light" panose="020F0302020204030204" pitchFamily="34" charset="0"/>
-                <a:cs typeface="Calibri Light" panose="020F0302020204030204" pitchFamily="34" charset="0"/>
-              </a:rPr>
-              <a:t>Dictionaries</a:t>
-            </a:r>
-          </a:p>
-          <a:p>
-            <a:pPr lvl="1">
-              <a:lnSpc>
-                <a:spcPct val="100000"/>
-              </a:lnSpc>
-            </a:pPr>
-            <a:r>
-              <a:rPr lang="en-US" sz="2400" dirty="0">
-                <a:solidFill>
-                  <a:schemeClr val="tx1"/>
-                </a:solidFill>
-                <a:latin typeface="Calibri Light" panose="020F0302020204030204" pitchFamily="34" charset="0"/>
-                <a:cs typeface="Calibri Light" panose="020F0302020204030204" pitchFamily="34" charset="0"/>
-              </a:rPr>
-              <a:t>Booleans</a:t>
-            </a:r>
-          </a:p>
-          <a:p>
-            <a:pPr lvl="1">
-              <a:lnSpc>
-                <a:spcPct val="100000"/>
-              </a:lnSpc>
-            </a:pPr>
-            <a:r>
-              <a:rPr lang="en-US" sz="2400" dirty="0">
-                <a:solidFill>
-                  <a:schemeClr val="tx1"/>
-                </a:solidFill>
-                <a:latin typeface="Calibri Light" panose="020F0302020204030204" pitchFamily="34" charset="0"/>
-                <a:cs typeface="Calibri Light" panose="020F0302020204030204" pitchFamily="34" charset="0"/>
-              </a:rPr>
-              <a:t>Tuples </a:t>
-            </a:r>
-          </a:p>
-          <a:p>
-            <a:pPr lvl="1">
-              <a:lnSpc>
-                <a:spcPct val="100000"/>
-              </a:lnSpc>
-            </a:pPr>
-            <a:r>
-              <a:rPr lang="en-US" sz="2400" dirty="0">
-                <a:solidFill>
-                  <a:schemeClr val="tx1"/>
-                </a:solidFill>
-                <a:latin typeface="Calibri Light" panose="020F0302020204030204" pitchFamily="34" charset="0"/>
-                <a:cs typeface="Calibri Light" panose="020F0302020204030204" pitchFamily="34" charset="0"/>
-              </a:rPr>
-              <a:t>Sets</a:t>
-            </a:r>
           </a:p>
         </p:txBody>
       </p:sp>
     </p:spTree>
     <p:extLst>
       <p:ext uri="{BB962C8B-B14F-4D97-AF65-F5344CB8AC3E}">
-        <p14:creationId xmlns:p14="http://schemas.microsoft.com/office/powerpoint/2010/main" val="211834126"/>
+        <p14:creationId xmlns:p14="http://schemas.microsoft.com/office/powerpoint/2010/main" val="2749068601"/>
       </p:ext>
     </p:extLst>
   </p:cSld>
@@ -6580,676 +5475,6 @@
                 <a:latin typeface="Calibri Light" panose="020F0302020204030204" pitchFamily="34" charset="0"/>
                 <a:cs typeface="Calibri Light" panose="020F0302020204030204" pitchFamily="34" charset="0"/>
               </a:rPr>
-              <a:t>Notice</a:t>
-            </a:r>
-            <a:endParaRPr lang="fr-FR" sz="4000" b="1" dirty="0">
-              <a:solidFill>
-                <a:srgbClr val="FF0000"/>
-              </a:solidFill>
-              <a:latin typeface="Calibri Light" panose="020F0302020204030204" pitchFamily="34" charset="0"/>
-              <a:cs typeface="Calibri Light" panose="020F0302020204030204" pitchFamily="34" charset="0"/>
-            </a:endParaRPr>
-          </a:p>
-        </p:txBody>
-      </p:sp>
-      <p:sp>
-        <p:nvSpPr>
-          <p:cNvPr id="5" name="Espace réservé du texte 1">
-            <a:extLst>
-              <a:ext uri="{FF2B5EF4-FFF2-40B4-BE49-F238E27FC236}">
-                <a16:creationId xmlns:a16="http://schemas.microsoft.com/office/drawing/2014/main" id="{C2C850D4-77AE-4879-9B53-CC197B3DBEA0}"/>
-              </a:ext>
-            </a:extLst>
-          </p:cNvPr>
-          <p:cNvSpPr txBox="1">
-            <a:spLocks/>
-          </p:cNvSpPr>
-          <p:nvPr/>
-        </p:nvSpPr>
-        <p:spPr>
-          <a:xfrm>
-            <a:off x="1259440" y="1263721"/>
-            <a:ext cx="10761324" cy="4890499"/>
-          </a:xfrm>
-          <a:prstGeom prst="rect">
-            <a:avLst/>
-          </a:prstGeom>
-        </p:spPr>
-        <p:txBody>
-          <a:bodyPr>
-            <a:noAutofit/>
-          </a:bodyPr>
-          <a:lstStyle>
-            <a:lvl1pPr marL="228600" marR="0" indent="-228600" algn="l" defTabSz="914400" rtl="0" latinLnBrk="0">
-              <a:lnSpc>
-                <a:spcPct val="90000"/>
-              </a:lnSpc>
-              <a:spcBef>
-                <a:spcPts val="1000"/>
-              </a:spcBef>
-              <a:spcAft>
-                <a:spcPts val="0"/>
-              </a:spcAft>
-              <a:buClrTx/>
-              <a:buSzPct val="100000"/>
-              <a:buFont typeface="Arial"/>
-              <a:buChar char="•"/>
-              <a:tabLst/>
-              <a:defRPr sz="2800" b="0" i="0" u="none" strike="noStrike" cap="none" spc="0" baseline="0">
-                <a:solidFill>
-                  <a:srgbClr val="000000"/>
-                </a:solidFill>
-                <a:uFillTx/>
-                <a:latin typeface="+mn-lt"/>
-                <a:ea typeface="+mn-ea"/>
-                <a:cs typeface="+mn-cs"/>
-                <a:sym typeface="Calibri"/>
-              </a:defRPr>
-            </a:lvl1pPr>
-            <a:lvl2pPr marL="723900" marR="0" indent="-266700" algn="l" defTabSz="914400" rtl="0" latinLnBrk="0">
-              <a:lnSpc>
-                <a:spcPct val="90000"/>
-              </a:lnSpc>
-              <a:spcBef>
-                <a:spcPts val="1000"/>
-              </a:spcBef>
-              <a:spcAft>
-                <a:spcPts val="0"/>
-              </a:spcAft>
-              <a:buClrTx/>
-              <a:buSzPct val="100000"/>
-              <a:buFont typeface="Arial"/>
-              <a:buChar char="•"/>
-              <a:tabLst/>
-              <a:defRPr sz="2800" b="0" i="0" u="none" strike="noStrike" cap="none" spc="0" baseline="0">
-                <a:solidFill>
-                  <a:srgbClr val="000000"/>
-                </a:solidFill>
-                <a:uFillTx/>
-                <a:latin typeface="+mn-lt"/>
-                <a:ea typeface="+mn-ea"/>
-                <a:cs typeface="+mn-cs"/>
-                <a:sym typeface="Calibri"/>
-              </a:defRPr>
-            </a:lvl2pPr>
-            <a:lvl3pPr marL="1234439" marR="0" indent="-320039" algn="l" defTabSz="914400" rtl="0" latinLnBrk="0">
-              <a:lnSpc>
-                <a:spcPct val="90000"/>
-              </a:lnSpc>
-              <a:spcBef>
-                <a:spcPts val="1000"/>
-              </a:spcBef>
-              <a:spcAft>
-                <a:spcPts val="0"/>
-              </a:spcAft>
-              <a:buClrTx/>
-              <a:buSzPct val="100000"/>
-              <a:buFont typeface="Arial"/>
-              <a:buChar char="•"/>
-              <a:tabLst/>
-              <a:defRPr sz="2800" b="0" i="0" u="none" strike="noStrike" cap="none" spc="0" baseline="0">
-                <a:solidFill>
-                  <a:srgbClr val="000000"/>
-                </a:solidFill>
-                <a:uFillTx/>
-                <a:latin typeface="+mn-lt"/>
-                <a:ea typeface="+mn-ea"/>
-                <a:cs typeface="+mn-cs"/>
-                <a:sym typeface="Calibri"/>
-              </a:defRPr>
-            </a:lvl3pPr>
-            <a:lvl4pPr marL="1727200" marR="0" indent="-355600" algn="l" defTabSz="914400" rtl="0" latinLnBrk="0">
-              <a:lnSpc>
-                <a:spcPct val="90000"/>
-              </a:lnSpc>
-              <a:spcBef>
-                <a:spcPts val="1000"/>
-              </a:spcBef>
-              <a:spcAft>
-                <a:spcPts val="0"/>
-              </a:spcAft>
-              <a:buClrTx/>
-              <a:buSzPct val="100000"/>
-              <a:buFont typeface="Arial"/>
-              <a:buChar char="•"/>
-              <a:tabLst/>
-              <a:defRPr sz="2800" b="0" i="0" u="none" strike="noStrike" cap="none" spc="0" baseline="0">
-                <a:solidFill>
-                  <a:srgbClr val="000000"/>
-                </a:solidFill>
-                <a:uFillTx/>
-                <a:latin typeface="+mn-lt"/>
-                <a:ea typeface="+mn-ea"/>
-                <a:cs typeface="+mn-cs"/>
-                <a:sym typeface="Calibri"/>
-              </a:defRPr>
-            </a:lvl4pPr>
-            <a:lvl5pPr marL="2184400" marR="0" indent="-355600" algn="l" defTabSz="914400" rtl="0" latinLnBrk="0">
-              <a:lnSpc>
-                <a:spcPct val="90000"/>
-              </a:lnSpc>
-              <a:spcBef>
-                <a:spcPts val="1000"/>
-              </a:spcBef>
-              <a:spcAft>
-                <a:spcPts val="0"/>
-              </a:spcAft>
-              <a:buClrTx/>
-              <a:buSzPct val="100000"/>
-              <a:buFont typeface="Arial"/>
-              <a:buChar char="•"/>
-              <a:tabLst/>
-              <a:defRPr sz="2800" b="0" i="0" u="none" strike="noStrike" cap="none" spc="0" baseline="0">
-                <a:solidFill>
-                  <a:srgbClr val="000000"/>
-                </a:solidFill>
-                <a:uFillTx/>
-                <a:latin typeface="+mn-lt"/>
-                <a:ea typeface="+mn-ea"/>
-                <a:cs typeface="+mn-cs"/>
-                <a:sym typeface="Calibri"/>
-              </a:defRPr>
-            </a:lvl5pPr>
-            <a:lvl6pPr marL="2641600" marR="0" indent="-355600" algn="l" defTabSz="914400" rtl="0" latinLnBrk="0">
-              <a:lnSpc>
-                <a:spcPct val="90000"/>
-              </a:lnSpc>
-              <a:spcBef>
-                <a:spcPts val="1000"/>
-              </a:spcBef>
-              <a:spcAft>
-                <a:spcPts val="0"/>
-              </a:spcAft>
-              <a:buClrTx/>
-              <a:buSzPct val="100000"/>
-              <a:buFont typeface="Arial"/>
-              <a:buChar char="•"/>
-              <a:tabLst/>
-              <a:defRPr sz="2800" b="0" i="0" u="none" strike="noStrike" cap="none" spc="0" baseline="0">
-                <a:solidFill>
-                  <a:srgbClr val="000000"/>
-                </a:solidFill>
-                <a:uFillTx/>
-                <a:latin typeface="+mn-lt"/>
-                <a:ea typeface="+mn-ea"/>
-                <a:cs typeface="+mn-cs"/>
-                <a:sym typeface="Calibri"/>
-              </a:defRPr>
-            </a:lvl6pPr>
-            <a:lvl7pPr marL="3098800" marR="0" indent="-355600" algn="l" defTabSz="914400" rtl="0" latinLnBrk="0">
-              <a:lnSpc>
-                <a:spcPct val="90000"/>
-              </a:lnSpc>
-              <a:spcBef>
-                <a:spcPts val="1000"/>
-              </a:spcBef>
-              <a:spcAft>
-                <a:spcPts val="0"/>
-              </a:spcAft>
-              <a:buClrTx/>
-              <a:buSzPct val="100000"/>
-              <a:buFont typeface="Arial"/>
-              <a:buChar char="•"/>
-              <a:tabLst/>
-              <a:defRPr sz="2800" b="0" i="0" u="none" strike="noStrike" cap="none" spc="0" baseline="0">
-                <a:solidFill>
-                  <a:srgbClr val="000000"/>
-                </a:solidFill>
-                <a:uFillTx/>
-                <a:latin typeface="+mn-lt"/>
-                <a:ea typeface="+mn-ea"/>
-                <a:cs typeface="+mn-cs"/>
-                <a:sym typeface="Calibri"/>
-              </a:defRPr>
-            </a:lvl7pPr>
-            <a:lvl8pPr marL="3556000" marR="0" indent="-355600" algn="l" defTabSz="914400" rtl="0" latinLnBrk="0">
-              <a:lnSpc>
-                <a:spcPct val="90000"/>
-              </a:lnSpc>
-              <a:spcBef>
-                <a:spcPts val="1000"/>
-              </a:spcBef>
-              <a:spcAft>
-                <a:spcPts val="0"/>
-              </a:spcAft>
-              <a:buClrTx/>
-              <a:buSzPct val="100000"/>
-              <a:buFont typeface="Arial"/>
-              <a:buChar char="•"/>
-              <a:tabLst/>
-              <a:defRPr sz="2800" b="0" i="0" u="none" strike="noStrike" cap="none" spc="0" baseline="0">
-                <a:solidFill>
-                  <a:srgbClr val="000000"/>
-                </a:solidFill>
-                <a:uFillTx/>
-                <a:latin typeface="+mn-lt"/>
-                <a:ea typeface="+mn-ea"/>
-                <a:cs typeface="+mn-cs"/>
-                <a:sym typeface="Calibri"/>
-              </a:defRPr>
-            </a:lvl8pPr>
-            <a:lvl9pPr marL="4013200" marR="0" indent="-355600" algn="l" defTabSz="914400" rtl="0" latinLnBrk="0">
-              <a:lnSpc>
-                <a:spcPct val="90000"/>
-              </a:lnSpc>
-              <a:spcBef>
-                <a:spcPts val="1000"/>
-              </a:spcBef>
-              <a:spcAft>
-                <a:spcPts val="0"/>
-              </a:spcAft>
-              <a:buClrTx/>
-              <a:buSzPct val="100000"/>
-              <a:buFont typeface="Arial"/>
-              <a:buChar char="•"/>
-              <a:tabLst/>
-              <a:defRPr sz="2800" b="0" i="0" u="none" strike="noStrike" cap="none" spc="0" baseline="0">
-                <a:solidFill>
-                  <a:srgbClr val="000000"/>
-                </a:solidFill>
-                <a:uFillTx/>
-                <a:latin typeface="+mn-lt"/>
-                <a:ea typeface="+mn-ea"/>
-                <a:cs typeface="+mn-cs"/>
-                <a:sym typeface="Calibri"/>
-              </a:defRPr>
-            </a:lvl9pPr>
-          </a:lstStyle>
-          <a:p>
-            <a:pPr lvl="1">
-              <a:lnSpc>
-                <a:spcPct val="150000"/>
-              </a:lnSpc>
-            </a:pPr>
-            <a:endParaRPr lang="en-US" sz="2400" b="1" dirty="0">
-              <a:latin typeface="Calibri Light" panose="020F0302020204030204" pitchFamily="34" charset="0"/>
-              <a:cs typeface="Calibri Light" panose="020F0302020204030204" pitchFamily="34" charset="0"/>
-            </a:endParaRPr>
-          </a:p>
-        </p:txBody>
-      </p:sp>
-      <p:sp>
-        <p:nvSpPr>
-          <p:cNvPr id="6" name="Rectangle 4">
-            <a:extLst>
-              <a:ext uri="{FF2B5EF4-FFF2-40B4-BE49-F238E27FC236}">
-                <a16:creationId xmlns:a16="http://schemas.microsoft.com/office/drawing/2014/main" id="{337B8DC3-FF31-B9EA-4DCC-B92324B10AD8}"/>
-              </a:ext>
-            </a:extLst>
-          </p:cNvPr>
-          <p:cNvSpPr txBox="1">
-            <a:spLocks noChangeArrowheads="1"/>
-          </p:cNvSpPr>
-          <p:nvPr/>
-        </p:nvSpPr>
-        <p:spPr>
-          <a:xfrm>
-            <a:off x="503238" y="1368425"/>
-            <a:ext cx="10850562" cy="3325495"/>
-          </a:xfrm>
-          <a:prstGeom prst="rect">
-            <a:avLst/>
-          </a:prstGeom>
-        </p:spPr>
-        <p:txBody>
-          <a:bodyPr/>
-          <a:lstStyle>
-            <a:lvl1pPr marL="228600" marR="0" indent="-228600" algn="l" defTabSz="914400" rtl="0" latinLnBrk="0">
-              <a:lnSpc>
-                <a:spcPct val="90000"/>
-              </a:lnSpc>
-              <a:spcBef>
-                <a:spcPts val="1000"/>
-              </a:spcBef>
-              <a:spcAft>
-                <a:spcPts val="0"/>
-              </a:spcAft>
-              <a:buClrTx/>
-              <a:buSzPct val="100000"/>
-              <a:buFont typeface="Arial"/>
-              <a:buChar char="•"/>
-              <a:tabLst/>
-              <a:defRPr sz="2800" b="0" i="0" u="none" strike="noStrike" cap="none" spc="0" baseline="0">
-                <a:solidFill>
-                  <a:srgbClr val="000000"/>
-                </a:solidFill>
-                <a:uFillTx/>
-                <a:latin typeface="+mn-lt"/>
-                <a:ea typeface="+mn-ea"/>
-                <a:cs typeface="+mn-cs"/>
-                <a:sym typeface="Calibri"/>
-              </a:defRPr>
-            </a:lvl1pPr>
-            <a:lvl2pPr marL="723900" marR="0" indent="-266700" algn="l" defTabSz="914400" rtl="0" latinLnBrk="0">
-              <a:lnSpc>
-                <a:spcPct val="90000"/>
-              </a:lnSpc>
-              <a:spcBef>
-                <a:spcPts val="1000"/>
-              </a:spcBef>
-              <a:spcAft>
-                <a:spcPts val="0"/>
-              </a:spcAft>
-              <a:buClrTx/>
-              <a:buSzPct val="100000"/>
-              <a:buFont typeface="Arial"/>
-              <a:buChar char="•"/>
-              <a:tabLst/>
-              <a:defRPr sz="2800" b="0" i="0" u="none" strike="noStrike" cap="none" spc="0" baseline="0">
-                <a:solidFill>
-                  <a:srgbClr val="000000"/>
-                </a:solidFill>
-                <a:uFillTx/>
-                <a:latin typeface="+mn-lt"/>
-                <a:ea typeface="+mn-ea"/>
-                <a:cs typeface="+mn-cs"/>
-                <a:sym typeface="Calibri"/>
-              </a:defRPr>
-            </a:lvl2pPr>
-            <a:lvl3pPr marL="1234439" marR="0" indent="-320039" algn="l" defTabSz="914400" rtl="0" latinLnBrk="0">
-              <a:lnSpc>
-                <a:spcPct val="90000"/>
-              </a:lnSpc>
-              <a:spcBef>
-                <a:spcPts val="1000"/>
-              </a:spcBef>
-              <a:spcAft>
-                <a:spcPts val="0"/>
-              </a:spcAft>
-              <a:buClrTx/>
-              <a:buSzPct val="100000"/>
-              <a:buFont typeface="Arial"/>
-              <a:buChar char="•"/>
-              <a:tabLst/>
-              <a:defRPr sz="2800" b="0" i="0" u="none" strike="noStrike" cap="none" spc="0" baseline="0">
-                <a:solidFill>
-                  <a:srgbClr val="000000"/>
-                </a:solidFill>
-                <a:uFillTx/>
-                <a:latin typeface="+mn-lt"/>
-                <a:ea typeface="+mn-ea"/>
-                <a:cs typeface="+mn-cs"/>
-                <a:sym typeface="Calibri"/>
-              </a:defRPr>
-            </a:lvl3pPr>
-            <a:lvl4pPr marL="1727200" marR="0" indent="-355600" algn="l" defTabSz="914400" rtl="0" latinLnBrk="0">
-              <a:lnSpc>
-                <a:spcPct val="90000"/>
-              </a:lnSpc>
-              <a:spcBef>
-                <a:spcPts val="1000"/>
-              </a:spcBef>
-              <a:spcAft>
-                <a:spcPts val="0"/>
-              </a:spcAft>
-              <a:buClrTx/>
-              <a:buSzPct val="100000"/>
-              <a:buFont typeface="Arial"/>
-              <a:buChar char="•"/>
-              <a:tabLst/>
-              <a:defRPr sz="2800" b="0" i="0" u="none" strike="noStrike" cap="none" spc="0" baseline="0">
-                <a:solidFill>
-                  <a:srgbClr val="000000"/>
-                </a:solidFill>
-                <a:uFillTx/>
-                <a:latin typeface="+mn-lt"/>
-                <a:ea typeface="+mn-ea"/>
-                <a:cs typeface="+mn-cs"/>
-                <a:sym typeface="Calibri"/>
-              </a:defRPr>
-            </a:lvl4pPr>
-            <a:lvl5pPr marL="2184400" marR="0" indent="-355600" algn="l" defTabSz="914400" rtl="0" latinLnBrk="0">
-              <a:lnSpc>
-                <a:spcPct val="90000"/>
-              </a:lnSpc>
-              <a:spcBef>
-                <a:spcPts val="1000"/>
-              </a:spcBef>
-              <a:spcAft>
-                <a:spcPts val="0"/>
-              </a:spcAft>
-              <a:buClrTx/>
-              <a:buSzPct val="100000"/>
-              <a:buFont typeface="Arial"/>
-              <a:buChar char="•"/>
-              <a:tabLst/>
-              <a:defRPr sz="2800" b="0" i="0" u="none" strike="noStrike" cap="none" spc="0" baseline="0">
-                <a:solidFill>
-                  <a:srgbClr val="000000"/>
-                </a:solidFill>
-                <a:uFillTx/>
-                <a:latin typeface="+mn-lt"/>
-                <a:ea typeface="+mn-ea"/>
-                <a:cs typeface="+mn-cs"/>
-                <a:sym typeface="Calibri"/>
-              </a:defRPr>
-            </a:lvl5pPr>
-            <a:lvl6pPr marL="2641600" marR="0" indent="-355600" algn="l" defTabSz="914400" rtl="0" latinLnBrk="0">
-              <a:lnSpc>
-                <a:spcPct val="90000"/>
-              </a:lnSpc>
-              <a:spcBef>
-                <a:spcPts val="1000"/>
-              </a:spcBef>
-              <a:spcAft>
-                <a:spcPts val="0"/>
-              </a:spcAft>
-              <a:buClrTx/>
-              <a:buSzPct val="100000"/>
-              <a:buFont typeface="Arial"/>
-              <a:buChar char="•"/>
-              <a:tabLst/>
-              <a:defRPr sz="2800" b="0" i="0" u="none" strike="noStrike" cap="none" spc="0" baseline="0">
-                <a:solidFill>
-                  <a:srgbClr val="000000"/>
-                </a:solidFill>
-                <a:uFillTx/>
-                <a:latin typeface="+mn-lt"/>
-                <a:ea typeface="+mn-ea"/>
-                <a:cs typeface="+mn-cs"/>
-                <a:sym typeface="Calibri"/>
-              </a:defRPr>
-            </a:lvl6pPr>
-            <a:lvl7pPr marL="3098800" marR="0" indent="-355600" algn="l" defTabSz="914400" rtl="0" latinLnBrk="0">
-              <a:lnSpc>
-                <a:spcPct val="90000"/>
-              </a:lnSpc>
-              <a:spcBef>
-                <a:spcPts val="1000"/>
-              </a:spcBef>
-              <a:spcAft>
-                <a:spcPts val="0"/>
-              </a:spcAft>
-              <a:buClrTx/>
-              <a:buSzPct val="100000"/>
-              <a:buFont typeface="Arial"/>
-              <a:buChar char="•"/>
-              <a:tabLst/>
-              <a:defRPr sz="2800" b="0" i="0" u="none" strike="noStrike" cap="none" spc="0" baseline="0">
-                <a:solidFill>
-                  <a:srgbClr val="000000"/>
-                </a:solidFill>
-                <a:uFillTx/>
-                <a:latin typeface="+mn-lt"/>
-                <a:ea typeface="+mn-ea"/>
-                <a:cs typeface="+mn-cs"/>
-                <a:sym typeface="Calibri"/>
-              </a:defRPr>
-            </a:lvl7pPr>
-            <a:lvl8pPr marL="3556000" marR="0" indent="-355600" algn="l" defTabSz="914400" rtl="0" latinLnBrk="0">
-              <a:lnSpc>
-                <a:spcPct val="90000"/>
-              </a:lnSpc>
-              <a:spcBef>
-                <a:spcPts val="1000"/>
-              </a:spcBef>
-              <a:spcAft>
-                <a:spcPts val="0"/>
-              </a:spcAft>
-              <a:buClrTx/>
-              <a:buSzPct val="100000"/>
-              <a:buFont typeface="Arial"/>
-              <a:buChar char="•"/>
-              <a:tabLst/>
-              <a:defRPr sz="2800" b="0" i="0" u="none" strike="noStrike" cap="none" spc="0" baseline="0">
-                <a:solidFill>
-                  <a:srgbClr val="000000"/>
-                </a:solidFill>
-                <a:uFillTx/>
-                <a:latin typeface="+mn-lt"/>
-                <a:ea typeface="+mn-ea"/>
-                <a:cs typeface="+mn-cs"/>
-                <a:sym typeface="Calibri"/>
-              </a:defRPr>
-            </a:lvl8pPr>
-            <a:lvl9pPr marL="4013200" marR="0" indent="-355600" algn="l" defTabSz="914400" rtl="0" latinLnBrk="0">
-              <a:lnSpc>
-                <a:spcPct val="90000"/>
-              </a:lnSpc>
-              <a:spcBef>
-                <a:spcPts val="1000"/>
-              </a:spcBef>
-              <a:spcAft>
-                <a:spcPts val="0"/>
-              </a:spcAft>
-              <a:buClrTx/>
-              <a:buSzPct val="100000"/>
-              <a:buFont typeface="Arial"/>
-              <a:buChar char="•"/>
-              <a:tabLst/>
-              <a:defRPr sz="2800" b="0" i="0" u="none" strike="noStrike" cap="none" spc="0" baseline="0">
-                <a:solidFill>
-                  <a:srgbClr val="000000"/>
-                </a:solidFill>
-                <a:uFillTx/>
-                <a:latin typeface="+mn-lt"/>
-                <a:ea typeface="+mn-ea"/>
-                <a:cs typeface="+mn-cs"/>
-                <a:sym typeface="Calibri"/>
-              </a:defRPr>
-            </a:lvl9pPr>
-          </a:lstStyle>
-          <a:p>
-            <a:pPr marL="107950" indent="0" hangingPunct="1">
-              <a:buFont typeface="Wingdings" panose="05000000000000000000" pitchFamily="2" charset="2"/>
-              <a:buNone/>
-              <a:defRPr/>
-            </a:pPr>
-            <a:endParaRPr lang="en-GB" altLang="fr-FR" sz="3600" dirty="0">
-              <a:latin typeface="Calibri Light" panose="020F0302020204030204" pitchFamily="34" charset="0"/>
-              <a:ea typeface="ＭＳ Ｐゴシック" panose="020B0600070205080204" pitchFamily="34" charset="-128"/>
-              <a:cs typeface="Calibri Light" panose="020F0302020204030204" pitchFamily="34" charset="0"/>
-            </a:endParaRPr>
-          </a:p>
-          <a:p>
-            <a:pPr marL="107950" indent="0" algn="ctr" hangingPunct="1">
-              <a:buFont typeface="Wingdings" panose="05000000000000000000" pitchFamily="2" charset="2"/>
-              <a:buNone/>
-              <a:defRPr/>
-            </a:pPr>
-            <a:endParaRPr lang="en-GB" altLang="fr-FR" sz="3600" dirty="0">
-              <a:latin typeface="Calibri Light" panose="020F0302020204030204" pitchFamily="34" charset="0"/>
-              <a:ea typeface="ＭＳ Ｐゴシック" panose="020B0600070205080204" pitchFamily="34" charset="-128"/>
-              <a:cs typeface="Calibri Light" panose="020F0302020204030204" pitchFamily="34" charset="0"/>
-            </a:endParaRPr>
-          </a:p>
-          <a:p>
-            <a:pPr marL="107950" indent="0" algn="ctr" hangingPunct="1">
-              <a:buFont typeface="Wingdings" panose="05000000000000000000" pitchFamily="2" charset="2"/>
-              <a:buNone/>
-              <a:defRPr/>
-            </a:pPr>
-            <a:r>
-              <a:rPr lang="en-GB" altLang="fr-FR" sz="3600" dirty="0">
-                <a:latin typeface="Calibri Light" panose="020F0302020204030204" pitchFamily="34" charset="0"/>
-                <a:ea typeface="ＭＳ Ｐゴシック" panose="020B0600070205080204" pitchFamily="34" charset="-128"/>
-                <a:cs typeface="Calibri Light" panose="020F0302020204030204" pitchFamily="34" charset="0"/>
-              </a:rPr>
-              <a:t>Please note, this is not meant to be a comprehensive overview of Python or programming in general</a:t>
-            </a:r>
-            <a:r>
-              <a:rPr lang="en-GB" altLang="fr-FR" dirty="0">
-                <a:latin typeface="Calibri Light" panose="020F0302020204030204" pitchFamily="34" charset="0"/>
-                <a:ea typeface="ＭＳ Ｐゴシック" panose="020B0600070205080204" pitchFamily="34" charset="-128"/>
-                <a:cs typeface="Calibri Light" panose="020F0302020204030204" pitchFamily="34" charset="0"/>
-              </a:rPr>
-              <a:t>. </a:t>
-            </a:r>
-            <a:endParaRPr lang="en-GB" altLang="fr-FR" sz="3600" dirty="0">
-              <a:latin typeface="Calibri Light" panose="020F0302020204030204" pitchFamily="34" charset="0"/>
-              <a:ea typeface="ＭＳ Ｐゴシック" panose="020B0600070205080204" pitchFamily="34" charset="-128"/>
-              <a:cs typeface="Calibri Light" panose="020F0302020204030204" pitchFamily="34" charset="0"/>
-            </a:endParaRPr>
-          </a:p>
-        </p:txBody>
-      </p:sp>
-    </p:spTree>
-    <p:extLst>
-      <p:ext uri="{BB962C8B-B14F-4D97-AF65-F5344CB8AC3E}">
-        <p14:creationId xmlns:p14="http://schemas.microsoft.com/office/powerpoint/2010/main" val="2749068601"/>
-      </p:ext>
-    </p:extLst>
-  </p:cSld>
-  <p:clrMapOvr>
-    <a:masterClrMapping/>
-  </p:clrMapOvr>
-  <p:transition spd="med"/>
-</p:sld>
-</file>
-
-<file path=ppt/slides/slide5.xml><?xml version="1.0" encoding="utf-8"?>
-<p:sld xmlns:a="http://schemas.openxmlformats.org/drawingml/2006/main" xmlns:r="http://schemas.openxmlformats.org/officeDocument/2006/relationships" xmlns:p="http://schemas.openxmlformats.org/presentationml/2006/main">
-  <p:cSld>
-    <p:spTree>
-      <p:nvGrpSpPr>
-        <p:cNvPr id="1" name=""/>
-        <p:cNvGrpSpPr/>
-        <p:nvPr/>
-      </p:nvGrpSpPr>
-      <p:grpSpPr>
-        <a:xfrm>
-          <a:off x="0" y="0"/>
-          <a:ext cx="0" cy="0"/>
-          <a:chOff x="0" y="0"/>
-          <a:chExt cx="0" cy="0"/>
-        </a:xfrm>
-      </p:grpSpPr>
-      <p:sp>
-        <p:nvSpPr>
-          <p:cNvPr id="3" name="Titre 2">
-            <a:extLst>
-              <a:ext uri="{FF2B5EF4-FFF2-40B4-BE49-F238E27FC236}">
-                <a16:creationId xmlns:a16="http://schemas.microsoft.com/office/drawing/2014/main" id="{422A6D99-314B-4235-846B-5CF296B0F7A8}"/>
-              </a:ext>
-            </a:extLst>
-          </p:cNvPr>
-          <p:cNvSpPr>
-            <a:spLocks noGrp="1"/>
-          </p:cNvSpPr>
-          <p:nvPr>
-            <p:ph type="title"/>
-          </p:nvPr>
-        </p:nvSpPr>
-        <p:spPr>
-          <a:xfrm>
-            <a:off x="838200" y="365125"/>
-            <a:ext cx="10515600" cy="970515"/>
-          </a:xfrm>
-        </p:spPr>
-        <p:txBody>
-          <a:bodyPr>
-            <a:normAutofit/>
-          </a:bodyPr>
-          <a:lstStyle/>
-          <a:p>
-            <a:r>
-              <a:rPr lang="en-US" sz="4000" b="1" dirty="0">
-                <a:solidFill>
-                  <a:srgbClr val="FF0000"/>
-                </a:solidFill>
-                <a:latin typeface="Calibri Light" panose="020F0302020204030204" pitchFamily="34" charset="0"/>
-                <a:cs typeface="Calibri Light" panose="020F0302020204030204" pitchFamily="34" charset="0"/>
-              </a:rPr>
               <a:t>Python characteristics</a:t>
             </a:r>
             <a:endParaRPr lang="fr-FR" sz="4000" b="1" dirty="0">
@@ -8010,7 +6235,7 @@
 </p:sld>
 </file>
 
-<file path=ppt/slides/slide6.xml><?xml version="1.0" encoding="utf-8"?>
+<file path=ppt/slides/slide5.xml><?xml version="1.0" encoding="utf-8"?>
 <p:sld xmlns:a="http://schemas.openxmlformats.org/drawingml/2006/main" xmlns:r="http://schemas.openxmlformats.org/officeDocument/2006/relationships" xmlns:p="http://schemas.openxmlformats.org/presentationml/2006/main">
   <p:cSld>
     <p:spTree>
@@ -8777,7 +7002,7 @@
 </p:sld>
 </file>
 
-<file path=ppt/slides/slide7.xml><?xml version="1.0" encoding="utf-8"?>
+<file path=ppt/slides/slide6.xml><?xml version="1.0" encoding="utf-8"?>
 <p:sld xmlns:a="http://schemas.openxmlformats.org/drawingml/2006/main" xmlns:r="http://schemas.openxmlformats.org/officeDocument/2006/relationships" xmlns:p="http://schemas.openxmlformats.org/presentationml/2006/main">
   <p:cSld>
     <p:spTree>
@@ -9645,7 +7870,7 @@
 </p:sld>
 </file>
 
-<file path=ppt/slides/slide8.xml><?xml version="1.0" encoding="utf-8"?>
+<file path=ppt/slides/slide7.xml><?xml version="1.0" encoding="utf-8"?>
 <p:sld xmlns:a="http://schemas.openxmlformats.org/drawingml/2006/main" xmlns:r="http://schemas.openxmlformats.org/officeDocument/2006/relationships" xmlns:p="http://schemas.openxmlformats.org/presentationml/2006/main">
   <p:cSld>
     <p:spTree>
